--- a/資展國際 小專 張祐銜.pptx
+++ b/資展國際 小專 張祐銜.pptx
@@ -283,6 +283,7 @@
 <file path=ppt/revisionInfo.xml><?xml version="1.0" encoding="utf-8"?>
 <p1510:revInfo xmlns:a="http://schemas.openxmlformats.org/drawingml/2006/main" xmlns:r="http://schemas.openxmlformats.org/officeDocument/2006/relationships" xmlns:p1510="http://schemas.microsoft.com/office/powerpoint/2015/10/main">
   <p1510:revLst>
+    <p1510:client id="{1E0BE3F0-1C13-4323-9A64-DEE56221F6F4}" v="5" dt="2024-06-05T01:13:11.911"/>
     <p1510:client id="{25B37F33-7DE3-4FF5-A0DC-337DE6CD52D2}" v="184" dt="2024-06-04T05:03:29.414"/>
     <p1510:client id="{3B4A9DD1-23B0-45CD-891C-E35E0B24A1AA}" v="1048" dt="2024-06-04T06:10:02.843"/>
     <p1510:client id="{3C84A9F6-4BF5-4074-A293-B1363F357F78}" v="1044" dt="2024-06-04T03:53:15.041"/>
@@ -293,6 +294,30 @@
 
 <file path=ppt/changesInfos/changesInfo1.xml><?xml version="1.0" encoding="utf-8"?>
 <pc:chgInfo xmlns:a="http://schemas.openxmlformats.org/drawingml/2006/main" xmlns:r="http://schemas.openxmlformats.org/officeDocument/2006/relationships" xmlns:ac="http://schemas.microsoft.com/office/drawing/2013/main/command" xmlns:pc="http://schemas.microsoft.com/office/powerpoint/2013/main/command">
+  <pc:docChgLst>
+    <pc:chgData name="張 祐銜" userId="a4795a297bc9ce74" providerId="Windows Live" clId="Web-{1E0BE3F0-1C13-4323-9A64-DEE56221F6F4}"/>
+    <pc:docChg chg="modSld">
+      <pc:chgData name="張 祐銜" userId="a4795a297bc9ce74" providerId="Windows Live" clId="Web-{1E0BE3F0-1C13-4323-9A64-DEE56221F6F4}" dt="2024-06-05T01:13:07.817" v="2" actId="20577"/>
+      <pc:docMkLst>
+        <pc:docMk/>
+      </pc:docMkLst>
+      <pc:sldChg chg="modSp">
+        <pc:chgData name="張 祐銜" userId="a4795a297bc9ce74" providerId="Windows Live" clId="Web-{1E0BE3F0-1C13-4323-9A64-DEE56221F6F4}" dt="2024-06-05T01:13:07.817" v="2" actId="20577"/>
+        <pc:sldMkLst>
+          <pc:docMk/>
+          <pc:sldMk cId="0" sldId="263"/>
+        </pc:sldMkLst>
+        <pc:spChg chg="mod">
+          <ac:chgData name="張 祐銜" userId="a4795a297bc9ce74" providerId="Windows Live" clId="Web-{1E0BE3F0-1C13-4323-9A64-DEE56221F6F4}" dt="2024-06-05T01:13:07.817" v="2" actId="20577"/>
+          <ac:spMkLst>
+            <pc:docMk/>
+            <pc:sldMk cId="0" sldId="263"/>
+            <ac:spMk id="5" creationId="{A50DDF1E-6E09-3088-B553-C270BE15F082}"/>
+          </ac:spMkLst>
+        </pc:spChg>
+      </pc:sldChg>
+    </pc:docChg>
+  </pc:docChgLst>
   <pc:docChgLst>
     <pc:chgData name="張 祐銜" userId="a4795a297bc9ce74" providerId="Windows Live" clId="Web-{9704EDDD-33F1-4F97-89CF-0BAD2903AF3A}"/>
     <pc:docChg chg="addSld modSld">
@@ -2367,13 +2392,13 @@
   <p:clrMapOvr>
     <a:masterClrMapping/>
   </p:clrMapOvr>
-  <mc:AlternateContent xmlns:mc="http://schemas.openxmlformats.org/markup-compatibility/2006">
-    <mc:Choice xmlns:p159="http://schemas.microsoft.com/office/powerpoint/2015/09/main" Requires="p159">
+  <mc:AlternateContent xmlns:mc="http://schemas.openxmlformats.org/markup-compatibility/2006" xmlns:p159="http://schemas.microsoft.com/office/powerpoint/2015/09/main">
+    <mc:Choice Requires="p159">
       <p:transition xmlns:p14="http://schemas.microsoft.com/office/powerpoint/2010/main" spd="slow" p14:dur="2000">
         <p159:morph option="byObject"/>
       </p:transition>
     </mc:Choice>
-    <mc:Fallback>
+    <mc:Fallback xmlns="">
       <p:transition spd="slow">
         <p:fade/>
       </p:transition>
@@ -2743,13 +2768,13 @@
   <p:clrMapOvr>
     <a:masterClrMapping/>
   </p:clrMapOvr>
-  <mc:AlternateContent xmlns:mc="http://schemas.openxmlformats.org/markup-compatibility/2006">
-    <mc:Choice xmlns:p159="http://schemas.microsoft.com/office/powerpoint/2015/09/main" Requires="p159">
+  <mc:AlternateContent xmlns:mc="http://schemas.openxmlformats.org/markup-compatibility/2006" xmlns:p159="http://schemas.microsoft.com/office/powerpoint/2015/09/main">
+    <mc:Choice Requires="p159">
       <p:transition xmlns:p14="http://schemas.microsoft.com/office/powerpoint/2010/main" spd="slow" p14:dur="2000">
         <p159:morph option="byObject"/>
       </p:transition>
     </mc:Choice>
-    <mc:Fallback>
+    <mc:Fallback xmlns="">
       <p:transition spd="slow">
         <p:fade/>
       </p:transition>
@@ -2859,13 +2884,13 @@
   <p:clrMapOvr>
     <a:masterClrMapping/>
   </p:clrMapOvr>
-  <mc:AlternateContent xmlns:mc="http://schemas.openxmlformats.org/markup-compatibility/2006">
-    <mc:Choice xmlns:p159="http://schemas.microsoft.com/office/powerpoint/2015/09/main" Requires="p159">
+  <mc:AlternateContent xmlns:mc="http://schemas.openxmlformats.org/markup-compatibility/2006" xmlns:p159="http://schemas.microsoft.com/office/powerpoint/2015/09/main">
+    <mc:Choice Requires="p159">
       <p:transition xmlns:p14="http://schemas.microsoft.com/office/powerpoint/2010/main" spd="slow" p14:dur="2000">
         <p159:morph option="byObject"/>
       </p:transition>
     </mc:Choice>
-    <mc:Fallback>
+    <mc:Fallback xmlns="">
       <p:transition spd="slow">
         <p:fade/>
       </p:transition>
@@ -3104,13 +3129,13 @@
   <p:clrMapOvr>
     <a:masterClrMapping/>
   </p:clrMapOvr>
-  <mc:AlternateContent xmlns:mc="http://schemas.openxmlformats.org/markup-compatibility/2006">
-    <mc:Choice xmlns:p159="http://schemas.microsoft.com/office/powerpoint/2015/09/main" Requires="p159">
+  <mc:AlternateContent xmlns:mc="http://schemas.openxmlformats.org/markup-compatibility/2006" xmlns:p159="http://schemas.microsoft.com/office/powerpoint/2015/09/main">
+    <mc:Choice Requires="p159">
       <p:transition xmlns:p14="http://schemas.microsoft.com/office/powerpoint/2010/main" spd="slow" p14:dur="2000">
         <p159:morph option="byObject"/>
       </p:transition>
     </mc:Choice>
-    <mc:Fallback>
+    <mc:Fallback xmlns="">
       <p:transition spd="slow">
         <p:fade/>
       </p:transition>
@@ -3478,13 +3503,13 @@
   <p:clrMapOvr>
     <a:masterClrMapping/>
   </p:clrMapOvr>
-  <mc:AlternateContent xmlns:mc="http://schemas.openxmlformats.org/markup-compatibility/2006">
-    <mc:Choice xmlns:p159="http://schemas.microsoft.com/office/powerpoint/2015/09/main" Requires="p159">
+  <mc:AlternateContent xmlns:mc="http://schemas.openxmlformats.org/markup-compatibility/2006" xmlns:p159="http://schemas.microsoft.com/office/powerpoint/2015/09/main">
+    <mc:Choice Requires="p159">
       <p:transition xmlns:p14="http://schemas.microsoft.com/office/powerpoint/2010/main" spd="slow" p14:dur="2000">
         <p159:morph option="byObject"/>
       </p:transition>
     </mc:Choice>
-    <mc:Fallback>
+    <mc:Fallback xmlns="">
       <p:transition spd="slow">
         <p:fade/>
       </p:transition>
@@ -3981,13 +4006,13 @@
   <p:clrMapOvr>
     <a:masterClrMapping/>
   </p:clrMapOvr>
-  <mc:AlternateContent xmlns:mc="http://schemas.openxmlformats.org/markup-compatibility/2006">
-    <mc:Choice xmlns:p159="http://schemas.microsoft.com/office/powerpoint/2015/09/main" Requires="p159">
+  <mc:AlternateContent xmlns:mc="http://schemas.openxmlformats.org/markup-compatibility/2006" xmlns:p159="http://schemas.microsoft.com/office/powerpoint/2015/09/main">
+    <mc:Choice Requires="p159">
       <p:transition xmlns:p14="http://schemas.microsoft.com/office/powerpoint/2010/main" spd="slow" p14:dur="2000">
         <p159:morph option="byObject"/>
       </p:transition>
     </mc:Choice>
-    <mc:Fallback>
+    <mc:Fallback xmlns="">
       <p:transition spd="slow">
         <p:fade/>
       </p:transition>
@@ -4226,13 +4251,13 @@
   <p:clrMapOvr>
     <a:masterClrMapping/>
   </p:clrMapOvr>
-  <mc:AlternateContent xmlns:mc="http://schemas.openxmlformats.org/markup-compatibility/2006">
-    <mc:Choice xmlns:p159="http://schemas.microsoft.com/office/powerpoint/2015/09/main" Requires="p159">
+  <mc:AlternateContent xmlns:mc="http://schemas.openxmlformats.org/markup-compatibility/2006" xmlns:p159="http://schemas.microsoft.com/office/powerpoint/2015/09/main">
+    <mc:Choice Requires="p159">
       <p:transition xmlns:p14="http://schemas.microsoft.com/office/powerpoint/2010/main" spd="slow" p14:dur="2000">
         <p159:morph option="byObject"/>
       </p:transition>
     </mc:Choice>
-    <mc:Fallback>
+    <mc:Fallback xmlns="">
       <p:transition spd="slow">
         <p:fade/>
       </p:transition>
@@ -4600,13 +4625,13 @@
   <p:clrMapOvr>
     <a:masterClrMapping/>
   </p:clrMapOvr>
-  <mc:AlternateContent xmlns:mc="http://schemas.openxmlformats.org/markup-compatibility/2006">
-    <mc:Choice xmlns:p159="http://schemas.microsoft.com/office/powerpoint/2015/09/main" Requires="p159">
+  <mc:AlternateContent xmlns:mc="http://schemas.openxmlformats.org/markup-compatibility/2006" xmlns:p159="http://schemas.microsoft.com/office/powerpoint/2015/09/main">
+    <mc:Choice Requires="p159">
       <p:transition xmlns:p14="http://schemas.microsoft.com/office/powerpoint/2010/main" spd="slow" p14:dur="2000">
         <p159:morph option="byObject"/>
       </p:transition>
     </mc:Choice>
-    <mc:Fallback>
+    <mc:Fallback xmlns="">
       <p:transition spd="slow">
         <p:fade/>
       </p:transition>
@@ -4845,13 +4870,13 @@
   <p:clrMapOvr>
     <a:masterClrMapping/>
   </p:clrMapOvr>
-  <mc:AlternateContent xmlns:mc="http://schemas.openxmlformats.org/markup-compatibility/2006">
-    <mc:Choice xmlns:p159="http://schemas.microsoft.com/office/powerpoint/2015/09/main" Requires="p159">
+  <mc:AlternateContent xmlns:mc="http://schemas.openxmlformats.org/markup-compatibility/2006" xmlns:p159="http://schemas.microsoft.com/office/powerpoint/2015/09/main">
+    <mc:Choice Requires="p159">
       <p:transition xmlns:p14="http://schemas.microsoft.com/office/powerpoint/2010/main" spd="slow" p14:dur="2000">
         <p159:morph option="byObject"/>
       </p:transition>
     </mc:Choice>
-    <mc:Fallback>
+    <mc:Fallback xmlns="">
       <p:transition spd="slow">
         <p:fade/>
       </p:transition>
@@ -5415,13 +5440,13 @@
   <p:clrMapOvr>
     <a:masterClrMapping/>
   </p:clrMapOvr>
-  <mc:AlternateContent xmlns:mc="http://schemas.openxmlformats.org/markup-compatibility/2006">
-    <mc:Choice xmlns:p159="http://schemas.microsoft.com/office/powerpoint/2015/09/main" Requires="p159">
+  <mc:AlternateContent xmlns:mc="http://schemas.openxmlformats.org/markup-compatibility/2006" xmlns:p159="http://schemas.microsoft.com/office/powerpoint/2015/09/main">
+    <mc:Choice Requires="p159">
       <p:transition xmlns:p14="http://schemas.microsoft.com/office/powerpoint/2010/main" spd="slow" p14:dur="2000">
         <p159:morph option="byObject"/>
       </p:transition>
     </mc:Choice>
-    <mc:Fallback>
+    <mc:Fallback xmlns="">
       <p:transition spd="slow">
         <p:fade/>
       </p:transition>
@@ -5575,13 +5600,13 @@
   <p:clrMapOvr>
     <a:masterClrMapping/>
   </p:clrMapOvr>
-  <mc:AlternateContent xmlns:mc="http://schemas.openxmlformats.org/markup-compatibility/2006">
-    <mc:Choice xmlns:p159="http://schemas.microsoft.com/office/powerpoint/2015/09/main" Requires="p159">
+  <mc:AlternateContent xmlns:mc="http://schemas.openxmlformats.org/markup-compatibility/2006" xmlns:p159="http://schemas.microsoft.com/office/powerpoint/2015/09/main">
+    <mc:Choice Requires="p159">
       <p:transition xmlns:p14="http://schemas.microsoft.com/office/powerpoint/2010/main" spd="slow" p14:dur="2000">
         <p159:morph option="byObject"/>
       </p:transition>
     </mc:Choice>
-    <mc:Fallback>
+    <mc:Fallback xmlns="">
       <p:transition spd="slow">
         <p:fade/>
       </p:transition>
@@ -8731,13 +8756,13 @@
     <p:sldLayoutId id="2147483657" r:id="rId10"/>
     <p:sldLayoutId id="2147483658" r:id="rId11"/>
   </p:sldLayoutIdLst>
-  <mc:AlternateContent xmlns:mc="http://schemas.openxmlformats.org/markup-compatibility/2006">
-    <mc:Choice xmlns:p159="http://schemas.microsoft.com/office/powerpoint/2015/09/main" Requires="p159">
+  <mc:AlternateContent xmlns:mc="http://schemas.openxmlformats.org/markup-compatibility/2006" xmlns:p159="http://schemas.microsoft.com/office/powerpoint/2015/09/main">
+    <mc:Choice Requires="p159">
       <p:transition xmlns:p14="http://schemas.microsoft.com/office/powerpoint/2010/main" spd="slow" p14:dur="2000">
         <p159:morph option="byObject"/>
       </p:transition>
     </mc:Choice>
-    <mc:Fallback>
+    <mc:Fallback xmlns="">
       <p:transition spd="slow">
         <p:fade/>
       </p:transition>
@@ -10010,13 +10035,13 @@
   <p:clrMapOvr>
     <a:masterClrMapping/>
   </p:clrMapOvr>
-  <mc:AlternateContent xmlns:mc="http://schemas.openxmlformats.org/markup-compatibility/2006">
-    <mc:Choice xmlns:p14="http://schemas.microsoft.com/office/powerpoint/2010/main" Requires="p14">
+  <mc:AlternateContent xmlns:mc="http://schemas.openxmlformats.org/markup-compatibility/2006" xmlns:p14="http://schemas.microsoft.com/office/powerpoint/2010/main">
+    <mc:Choice Requires="p14">
       <p:transition spd="med" p14:dur="700">
         <p:fade/>
       </p:transition>
     </mc:Choice>
-    <mc:Fallback>
+    <mc:Fallback xmlns="">
       <p:transition spd="med">
         <p:fade/>
       </p:transition>
@@ -11829,7 +11854,7 @@
         <p:spPr>
           <a:xfrm>
             <a:off x="2599246" y="1701025"/>
-            <a:ext cx="5168210" cy="1021883"/>
+            <a:ext cx="5168210" cy="698974"/>
           </a:xfrm>
           <a:prstGeom prst="rect">
             <a:avLst/>
@@ -11866,34 +11891,6 @@
               </a:rPr>
               <a:t>。</a:t>
             </a:r>
-          </a:p>
-          <a:p>
-            <a:pPr>
-              <a:lnSpc>
-                <a:spcPct val="150000"/>
-              </a:lnSpc>
-            </a:pPr>
-            <a:r>
-              <a:rPr lang="zh-TW" altLang="en-US" b="1">
-                <a:highlight>
-                  <a:srgbClr val="C0C0C0"/>
-                </a:highlight>
-              </a:rPr>
-              <a:t>但是之後覺得這樣做是值得的，也好在在程式碼300行就重構</a:t>
-            </a:r>
-            <a:r>
-              <a:rPr lang="zh-TW">
-                <a:highlight>
-                  <a:srgbClr val="C0C0C0"/>
-                </a:highlight>
-              </a:rPr>
-              <a:t>。</a:t>
-            </a:r>
-            <a:endParaRPr lang="zh-TW" altLang="en-US" b="1">
-              <a:highlight>
-                <a:srgbClr val="C0C0C0"/>
-              </a:highlight>
-            </a:endParaRPr>
           </a:p>
         </p:txBody>
       </p:sp>
@@ -12330,13 +12327,13 @@
   <p:clrMapOvr>
     <a:masterClrMapping/>
   </p:clrMapOvr>
-  <mc:AlternateContent xmlns:mc="http://schemas.openxmlformats.org/markup-compatibility/2006">
-    <mc:Choice xmlns:p159="http://schemas.microsoft.com/office/powerpoint/2015/09/main" Requires="p159">
+  <mc:AlternateContent xmlns:mc="http://schemas.openxmlformats.org/markup-compatibility/2006" xmlns:p159="http://schemas.microsoft.com/office/powerpoint/2015/09/main">
+    <mc:Choice Requires="p159">
       <p:transition xmlns:p14="http://schemas.microsoft.com/office/powerpoint/2010/main" spd="slow" p14:dur="2000">
         <p159:morph option="byObject"/>
       </p:transition>
     </mc:Choice>
-    <mc:Fallback>
+    <mc:Fallback xmlns="">
       <p:transition spd="slow">
         <p:fade/>
       </p:transition>
@@ -14431,13 +14428,13 @@
   <p:clrMapOvr>
     <a:masterClrMapping/>
   </p:clrMapOvr>
-  <mc:AlternateContent xmlns:mc="http://schemas.openxmlformats.org/markup-compatibility/2006">
-    <mc:Choice xmlns:p159="http://schemas.microsoft.com/office/powerpoint/2015/09/main" Requires="p159">
+  <mc:AlternateContent xmlns:mc="http://schemas.openxmlformats.org/markup-compatibility/2006" xmlns:p159="http://schemas.microsoft.com/office/powerpoint/2015/09/main">
+    <mc:Choice Requires="p159">
       <p:transition xmlns:p14="http://schemas.microsoft.com/office/powerpoint/2010/main" spd="slow" p14:dur="2000">
         <p159:morph option="byObject"/>
       </p:transition>
     </mc:Choice>
-    <mc:Fallback>
+    <mc:Fallback xmlns="">
       <p:transition spd="slow">
         <p:fade/>
       </p:transition>
@@ -14816,13 +14813,13 @@
   <p:clrMapOvr>
     <a:masterClrMapping/>
   </p:clrMapOvr>
-  <mc:AlternateContent xmlns:mc="http://schemas.openxmlformats.org/markup-compatibility/2006">
-    <mc:Choice xmlns:p159="http://schemas.microsoft.com/office/powerpoint/2015/09/main" Requires="p159">
+  <mc:AlternateContent xmlns:mc="http://schemas.openxmlformats.org/markup-compatibility/2006" xmlns:p159="http://schemas.microsoft.com/office/powerpoint/2015/09/main">
+    <mc:Choice Requires="p159">
       <p:transition xmlns:p14="http://schemas.microsoft.com/office/powerpoint/2010/main" spd="slow" p14:dur="2000">
         <p159:morph option="byObject"/>
       </p:transition>
     </mc:Choice>
-    <mc:Fallback>
+    <mc:Fallback xmlns="">
       <p:transition spd="slow">
         <p:fade/>
       </p:transition>
@@ -17078,13 +17075,13 @@
   <p:clrMapOvr>
     <a:masterClrMapping/>
   </p:clrMapOvr>
-  <mc:AlternateContent xmlns:mc="http://schemas.openxmlformats.org/markup-compatibility/2006">
-    <mc:Choice xmlns:p159="http://schemas.microsoft.com/office/powerpoint/2015/09/main" Requires="p159">
+  <mc:AlternateContent xmlns:mc="http://schemas.openxmlformats.org/markup-compatibility/2006" xmlns:p159="http://schemas.microsoft.com/office/powerpoint/2015/09/main">
+    <mc:Choice Requires="p159">
       <p:transition xmlns:p14="http://schemas.microsoft.com/office/powerpoint/2010/main" spd="slow" p14:dur="2000">
         <p159:morph option="byObject"/>
       </p:transition>
     </mc:Choice>
-    <mc:Fallback>
+    <mc:Fallback xmlns="">
       <p:transition spd="slow">
         <p:fade/>
       </p:transition>
@@ -19460,13 +19457,13 @@
   <p:clrMapOvr>
     <a:masterClrMapping/>
   </p:clrMapOvr>
-  <mc:AlternateContent xmlns:mc="http://schemas.openxmlformats.org/markup-compatibility/2006">
-    <mc:Choice xmlns:p159="http://schemas.microsoft.com/office/powerpoint/2015/09/main" Requires="p159">
+  <mc:AlternateContent xmlns:mc="http://schemas.openxmlformats.org/markup-compatibility/2006" xmlns:p159="http://schemas.microsoft.com/office/powerpoint/2015/09/main">
+    <mc:Choice Requires="p159">
       <p:transition xmlns:p14="http://schemas.microsoft.com/office/powerpoint/2010/main" spd="slow" p14:dur="2000">
         <p159:morph option="byObject"/>
       </p:transition>
     </mc:Choice>
-    <mc:Fallback>
+    <mc:Fallback xmlns="">
       <p:transition spd="slow">
         <p:fade/>
       </p:transition>
@@ -21621,13 +21618,13 @@
   <p:clrMapOvr>
     <a:masterClrMapping/>
   </p:clrMapOvr>
-  <mc:AlternateContent xmlns:mc="http://schemas.openxmlformats.org/markup-compatibility/2006">
-    <mc:Choice xmlns:p159="http://schemas.microsoft.com/office/powerpoint/2015/09/main" Requires="p159">
+  <mc:AlternateContent xmlns:mc="http://schemas.openxmlformats.org/markup-compatibility/2006" xmlns:p159="http://schemas.microsoft.com/office/powerpoint/2015/09/main">
+    <mc:Choice Requires="p159">
       <p:transition xmlns:p14="http://schemas.microsoft.com/office/powerpoint/2010/main" spd="slow" p14:dur="2000">
         <p159:morph option="byObject"/>
       </p:transition>
     </mc:Choice>
-    <mc:Fallback>
+    <mc:Fallback xmlns="">
       <p:transition spd="slow">
         <p:fade/>
       </p:transition>
@@ -23761,13 +23758,13 @@
   <p:clrMapOvr>
     <a:masterClrMapping/>
   </p:clrMapOvr>
-  <mc:AlternateContent xmlns:mc="http://schemas.openxmlformats.org/markup-compatibility/2006">
-    <mc:Choice xmlns:p159="http://schemas.microsoft.com/office/powerpoint/2015/09/main" Requires="p159">
+  <mc:AlternateContent xmlns:mc="http://schemas.openxmlformats.org/markup-compatibility/2006" xmlns:p159="http://schemas.microsoft.com/office/powerpoint/2015/09/main">
+    <mc:Choice Requires="p159">
       <p:transition xmlns:p14="http://schemas.microsoft.com/office/powerpoint/2010/main" spd="slow" p14:dur="2000">
         <p159:morph option="byObject"/>
       </p:transition>
     </mc:Choice>
-    <mc:Fallback>
+    <mc:Fallback xmlns="">
       <p:transition spd="slow">
         <p:fade/>
       </p:transition>
@@ -25892,13 +25889,13 @@
   <p:clrMapOvr>
     <a:masterClrMapping/>
   </p:clrMapOvr>
-  <mc:AlternateContent xmlns:mc="http://schemas.openxmlformats.org/markup-compatibility/2006">
-    <mc:Choice xmlns:p159="http://schemas.microsoft.com/office/powerpoint/2015/09/main" Requires="p159">
+  <mc:AlternateContent xmlns:mc="http://schemas.openxmlformats.org/markup-compatibility/2006" xmlns:p159="http://schemas.microsoft.com/office/powerpoint/2015/09/main">
+    <mc:Choice Requires="p159">
       <p:transition xmlns:p14="http://schemas.microsoft.com/office/powerpoint/2010/main" spd="slow" p14:dur="2000">
         <p159:morph option="byObject"/>
       </p:transition>
     </mc:Choice>
-    <mc:Fallback>
+    <mc:Fallback xmlns="">
       <p:transition spd="slow">
         <p:fade/>
       </p:transition>
@@ -28130,13 +28127,13 @@
   <p:clrMapOvr>
     <a:masterClrMapping/>
   </p:clrMapOvr>
-  <mc:AlternateContent xmlns:mc="http://schemas.openxmlformats.org/markup-compatibility/2006">
-    <mc:Choice xmlns:p159="http://schemas.microsoft.com/office/powerpoint/2015/09/main" Requires="p159">
+  <mc:AlternateContent xmlns:mc="http://schemas.openxmlformats.org/markup-compatibility/2006" xmlns:p159="http://schemas.microsoft.com/office/powerpoint/2015/09/main">
+    <mc:Choice Requires="p159">
       <p:transition xmlns:p14="http://schemas.microsoft.com/office/powerpoint/2010/main" spd="slow" p14:dur="2000">
         <p159:morph option="byObject"/>
       </p:transition>
     </mc:Choice>
-    <mc:Fallback>
+    <mc:Fallback xmlns="">
       <p:transition spd="slow">
         <p:fade/>
       </p:transition>
@@ -30312,13 +30309,13 @@
   <p:clrMapOvr>
     <a:masterClrMapping/>
   </p:clrMapOvr>
-  <mc:AlternateContent xmlns:mc="http://schemas.openxmlformats.org/markup-compatibility/2006">
-    <mc:Choice xmlns:p159="http://schemas.microsoft.com/office/powerpoint/2015/09/main" Requires="p159">
+  <mc:AlternateContent xmlns:mc="http://schemas.openxmlformats.org/markup-compatibility/2006" xmlns:p159="http://schemas.microsoft.com/office/powerpoint/2015/09/main">
+    <mc:Choice Requires="p159">
       <p:transition xmlns:p14="http://schemas.microsoft.com/office/powerpoint/2010/main" spd="slow" p14:dur="2000">
         <p159:morph option="byObject"/>
       </p:transition>
     </mc:Choice>
-    <mc:Fallback>
+    <mc:Fallback xmlns="">
       <p:transition spd="slow">
         <p:fade/>
       </p:transition>
@@ -33372,13 +33369,13 @@
   <p:clrMapOvr>
     <a:masterClrMapping/>
   </p:clrMapOvr>
-  <mc:AlternateContent xmlns:mc="http://schemas.openxmlformats.org/markup-compatibility/2006">
-    <mc:Choice xmlns:p159="http://schemas.microsoft.com/office/powerpoint/2015/09/main" Requires="p159">
+  <mc:AlternateContent xmlns:mc="http://schemas.openxmlformats.org/markup-compatibility/2006" xmlns:p159="http://schemas.microsoft.com/office/powerpoint/2015/09/main">
+    <mc:Choice Requires="p159">
       <p:transition xmlns:p14="http://schemas.microsoft.com/office/powerpoint/2010/main" spd="slow" p14:dur="2000">
         <p159:morph option="byObject"/>
       </p:transition>
     </mc:Choice>
-    <mc:Fallback>
+    <mc:Fallback xmlns="">
       <p:transition spd="slow">
         <p:fade/>
       </p:transition>
